--- a/บทที่7.pptx
+++ b/บทที่7.pptx
@@ -214,7 +214,7 @@
           <a:p>
             <a:fld id="{9855F11A-9FCE-44D5-889F-450EE19F11AC}" type="datetimeFigureOut">
               <a:rPr lang="th-TH" smtClean="0"/>
-              <a:t>24/03/63</a:t>
+              <a:t>27/04/63</a:t>
             </a:fld>
             <a:endParaRPr lang="th-TH"/>
           </a:p>
@@ -1204,7 +1204,7 @@
           <a:p>
             <a:fld id="{53003E7C-D0D7-4C0E-9039-6A997EAE03EC}" type="datetimeFigureOut">
               <a:rPr lang="th-TH" smtClean="0"/>
-              <a:t>24/03/63</a:t>
+              <a:t>27/04/63</a:t>
             </a:fld>
             <a:endParaRPr lang="th-TH"/>
           </a:p>
@@ -1455,7 +1455,7 @@
           <a:p>
             <a:fld id="{53003E7C-D0D7-4C0E-9039-6A997EAE03EC}" type="datetimeFigureOut">
               <a:rPr lang="th-TH" smtClean="0"/>
-              <a:t>24/03/63</a:t>
+              <a:t>27/04/63</a:t>
             </a:fld>
             <a:endParaRPr lang="th-TH"/>
           </a:p>
@@ -1769,7 +1769,7 @@
           <a:p>
             <a:fld id="{53003E7C-D0D7-4C0E-9039-6A997EAE03EC}" type="datetimeFigureOut">
               <a:rPr lang="th-TH" smtClean="0"/>
-              <a:t>24/03/63</a:t>
+              <a:t>27/04/63</a:t>
             </a:fld>
             <a:endParaRPr lang="th-TH"/>
           </a:p>
@@ -2110,7 +2110,7 @@
           <a:p>
             <a:fld id="{53003E7C-D0D7-4C0E-9039-6A997EAE03EC}" type="datetimeFigureOut">
               <a:rPr lang="th-TH" smtClean="0"/>
-              <a:t>24/03/63</a:t>
+              <a:t>27/04/63</a:t>
             </a:fld>
             <a:endParaRPr lang="th-TH"/>
           </a:p>
@@ -2424,7 +2424,7 @@
           <a:p>
             <a:fld id="{53003E7C-D0D7-4C0E-9039-6A997EAE03EC}" type="datetimeFigureOut">
               <a:rPr lang="th-TH" smtClean="0"/>
-              <a:t>24/03/63</a:t>
+              <a:t>27/04/63</a:t>
             </a:fld>
             <a:endParaRPr lang="th-TH"/>
           </a:p>
@@ -2817,7 +2817,7 @@
           <a:p>
             <a:fld id="{53003E7C-D0D7-4C0E-9039-6A997EAE03EC}" type="datetimeFigureOut">
               <a:rPr lang="th-TH" smtClean="0"/>
-              <a:t>24/03/63</a:t>
+              <a:t>27/04/63</a:t>
             </a:fld>
             <a:endParaRPr lang="th-TH"/>
           </a:p>
@@ -2987,7 +2987,7 @@
           <a:p>
             <a:fld id="{53003E7C-D0D7-4C0E-9039-6A997EAE03EC}" type="datetimeFigureOut">
               <a:rPr lang="th-TH" smtClean="0"/>
-              <a:t>24/03/63</a:t>
+              <a:t>27/04/63</a:t>
             </a:fld>
             <a:endParaRPr lang="th-TH"/>
           </a:p>
@@ -3167,7 +3167,7 @@
           <a:p>
             <a:fld id="{53003E7C-D0D7-4C0E-9039-6A997EAE03EC}" type="datetimeFigureOut">
               <a:rPr lang="th-TH" smtClean="0"/>
-              <a:t>24/03/63</a:t>
+              <a:t>27/04/63</a:t>
             </a:fld>
             <a:endParaRPr lang="th-TH"/>
           </a:p>
@@ -3343,7 +3343,7 @@
           <a:p>
             <a:fld id="{53003E7C-D0D7-4C0E-9039-6A997EAE03EC}" type="datetimeFigureOut">
               <a:rPr lang="th-TH" smtClean="0"/>
-              <a:t>24/03/63</a:t>
+              <a:t>27/04/63</a:t>
             </a:fld>
             <a:endParaRPr lang="th-TH"/>
           </a:p>
@@ -3590,7 +3590,7 @@
           <a:p>
             <a:fld id="{53003E7C-D0D7-4C0E-9039-6A997EAE03EC}" type="datetimeFigureOut">
               <a:rPr lang="th-TH" smtClean="0"/>
-              <a:t>24/03/63</a:t>
+              <a:t>27/04/63</a:t>
             </a:fld>
             <a:endParaRPr lang="th-TH"/>
           </a:p>
@@ -3822,7 +3822,7 @@
           <a:p>
             <a:fld id="{53003E7C-D0D7-4C0E-9039-6A997EAE03EC}" type="datetimeFigureOut">
               <a:rPr lang="th-TH" smtClean="0"/>
-              <a:t>24/03/63</a:t>
+              <a:t>27/04/63</a:t>
             </a:fld>
             <a:endParaRPr lang="th-TH"/>
           </a:p>
@@ -4196,7 +4196,7 @@
           <a:p>
             <a:fld id="{53003E7C-D0D7-4C0E-9039-6A997EAE03EC}" type="datetimeFigureOut">
               <a:rPr lang="th-TH" smtClean="0"/>
-              <a:t>24/03/63</a:t>
+              <a:t>27/04/63</a:t>
             </a:fld>
             <a:endParaRPr lang="th-TH"/>
           </a:p>
@@ -4319,7 +4319,7 @@
           <a:p>
             <a:fld id="{53003E7C-D0D7-4C0E-9039-6A997EAE03EC}" type="datetimeFigureOut">
               <a:rPr lang="th-TH" smtClean="0"/>
-              <a:t>24/03/63</a:t>
+              <a:t>27/04/63</a:t>
             </a:fld>
             <a:endParaRPr lang="th-TH"/>
           </a:p>
@@ -4414,7 +4414,7 @@
           <a:p>
             <a:fld id="{53003E7C-D0D7-4C0E-9039-6A997EAE03EC}" type="datetimeFigureOut">
               <a:rPr lang="th-TH" smtClean="0"/>
-              <a:t>24/03/63</a:t>
+              <a:t>27/04/63</a:t>
             </a:fld>
             <a:endParaRPr lang="th-TH"/>
           </a:p>
@@ -4669,7 +4669,7 @@
           <a:p>
             <a:fld id="{53003E7C-D0D7-4C0E-9039-6A997EAE03EC}" type="datetimeFigureOut">
               <a:rPr lang="th-TH" smtClean="0"/>
-              <a:t>24/03/63</a:t>
+              <a:t>27/04/63</a:t>
             </a:fld>
             <a:endParaRPr lang="th-TH"/>
           </a:p>
@@ -4932,7 +4932,7 @@
           <a:p>
             <a:fld id="{53003E7C-D0D7-4C0E-9039-6A997EAE03EC}" type="datetimeFigureOut">
               <a:rPr lang="th-TH" smtClean="0"/>
-              <a:t>24/03/63</a:t>
+              <a:t>27/04/63</a:t>
             </a:fld>
             <a:endParaRPr lang="th-TH"/>
           </a:p>
@@ -5675,7 +5675,7 @@
           <a:p>
             <a:fld id="{53003E7C-D0D7-4C0E-9039-6A997EAE03EC}" type="datetimeFigureOut">
               <a:rPr lang="th-TH" smtClean="0"/>
-              <a:t>24/03/63</a:t>
+              <a:t>27/04/63</a:t>
             </a:fld>
             <a:endParaRPr lang="th-TH"/>
           </a:p>
@@ -6207,7 +6207,7 @@
         </p:nvSpPr>
         <p:spPr>
           <a:xfrm>
-            <a:off x="2963575" y="2967335"/>
+            <a:off x="2855998" y="2257330"/>
             <a:ext cx="6264857" cy="1015663"/>
           </a:xfrm>
           <a:prstGeom prst="rect">
@@ -6262,6 +6262,13 @@
   <p:clrMapOvr>
     <a:masterClrMapping/>
   </p:clrMapOvr>
+  <p:timing>
+    <p:tnLst>
+      <p:par>
+        <p:cTn id="1" dur="indefinite" restart="never" nodeType="tmRoot"/>
+      </p:par>
+    </p:tnLst>
+  </p:timing>
 </p:sld>
 </file>
 
@@ -6629,7 +6636,35 @@
                 <a:latin typeface="Angsana New" panose="02020603050405020304" pitchFamily="18" charset="-34"/>
                 <a:cs typeface="Angsana New" panose="02020603050405020304" pitchFamily="18" charset="-34"/>
               </a:rPr>
-              <a:t>มีความสับซ้อนสูงกว่าระบบจะติดตั้งเสร็จสมบูรณ์พร้อมใช้งาน อาจต้องใช้เวลากว่า </a:t>
+              <a:t>มี</a:t>
+            </a:r>
+            <a:r>
+              <a:rPr lang="th-TH" sz="3200" dirty="0" smtClean="0">
+                <a:latin typeface="Angsana New" panose="02020603050405020304" pitchFamily="18" charset="-34"/>
+                <a:cs typeface="Angsana New" panose="02020603050405020304" pitchFamily="18" charset="-34"/>
+              </a:rPr>
+              <a:t>ความ</a:t>
+            </a:r>
+            <a:r>
+              <a:rPr lang="th-TH" sz="3200" dirty="0" smtClean="0">
+                <a:latin typeface="Angsana New" panose="02020603050405020304" pitchFamily="18" charset="-34"/>
+                <a:cs typeface="Angsana New" panose="02020603050405020304" pitchFamily="18" charset="-34"/>
+              </a:rPr>
+              <a:t>ซั</a:t>
+            </a:r>
+            <a:r>
+              <a:rPr lang="th-TH" sz="3200" dirty="0" smtClean="0">
+                <a:latin typeface="Angsana New" panose="02020603050405020304" pitchFamily="18" charset="-34"/>
+                <a:cs typeface="Angsana New" panose="02020603050405020304" pitchFamily="18" charset="-34"/>
+              </a:rPr>
+              <a:t>บซ้อน</a:t>
+            </a:r>
+            <a:r>
+              <a:rPr lang="th-TH" sz="3200" dirty="0" smtClean="0">
+                <a:latin typeface="Angsana New" panose="02020603050405020304" pitchFamily="18" charset="-34"/>
+                <a:cs typeface="Angsana New" panose="02020603050405020304" pitchFamily="18" charset="-34"/>
+              </a:rPr>
+              <a:t>สูงกว่าระบบจะติดตั้งเสร็จสมบูรณ์พร้อมใช้งาน อาจต้องใช้เวลากว่า </a:t>
             </a:r>
             <a:r>
               <a:rPr lang="en-US" sz="3200" dirty="0" smtClean="0">
@@ -6655,7 +6690,21 @@
                 <a:latin typeface="Angsana New" panose="02020603050405020304" pitchFamily="18" charset="-34"/>
                 <a:cs typeface="Angsana New" panose="02020603050405020304" pitchFamily="18" charset="-34"/>
               </a:rPr>
-              <a:t>ต้องปรับให้เข้ากับการใช้งานซึ่งปกติทางผู้ผลิตจะแบบแผนให้ดำเนินรอยตาม</a:t>
+              <a:t>ต้องปรับให้เข้ากับการใช้งานซึ่งปกติทางผู้ผลิต</a:t>
+            </a:r>
+            <a:r>
+              <a:rPr lang="th-TH" sz="3200" dirty="0" smtClean="0">
+                <a:latin typeface="Angsana New" panose="02020603050405020304" pitchFamily="18" charset="-34"/>
+                <a:cs typeface="Angsana New" panose="02020603050405020304" pitchFamily="18" charset="-34"/>
+              </a:rPr>
+              <a:t>จะมีแบบ</a:t>
+            </a:r>
+            <a:r>
+              <a:rPr lang="th-TH" sz="3200" dirty="0" smtClean="0">
+                <a:latin typeface="Angsana New" panose="02020603050405020304" pitchFamily="18" charset="-34"/>
+                <a:cs typeface="Angsana New" panose="02020603050405020304" pitchFamily="18" charset="-34"/>
+              </a:rPr>
+              <a:t>แผนให้ดำเนินรอยตาม</a:t>
             </a:r>
           </a:p>
           <a:p>
@@ -6667,7 +6716,21 @@
                 <a:latin typeface="Angsana New" panose="02020603050405020304" pitchFamily="18" charset="-34"/>
                 <a:cs typeface="Angsana New" panose="02020603050405020304" pitchFamily="18" charset="-34"/>
               </a:rPr>
-              <a:t>มีราคาสูงมาก โมดูล อาจมีราคานับสิบล้านบาท และยังรวมถึงค่าใช้จ่ายอื่นอีกในการติดตั้ง</a:t>
+              <a:t>มีราคาสูงมาก </a:t>
+            </a:r>
+            <a:r>
+              <a:rPr lang="th-TH" sz="3200" dirty="0" smtClean="0">
+                <a:latin typeface="Angsana New" panose="02020603050405020304" pitchFamily="18" charset="-34"/>
+                <a:cs typeface="Angsana New" panose="02020603050405020304" pitchFamily="18" charset="-34"/>
+              </a:rPr>
+              <a:t>โมดูลหนึ่ง </a:t>
+            </a:r>
+            <a:r>
+              <a:rPr lang="th-TH" sz="3200" dirty="0" smtClean="0">
+                <a:latin typeface="Angsana New" panose="02020603050405020304" pitchFamily="18" charset="-34"/>
+                <a:cs typeface="Angsana New" panose="02020603050405020304" pitchFamily="18" charset="-34"/>
+              </a:rPr>
+              <a:t>อาจมีราคานับสิบล้านบาท และยังรวมถึงค่าใช้จ่ายอื่นอีกในการติดตั้ง</a:t>
             </a:r>
           </a:p>
           <a:p>
@@ -6788,21 +6851,7 @@
                 <a:latin typeface="Angsana New" panose="02020603050405020304" pitchFamily="18" charset="-34"/>
                 <a:cs typeface="Angsana New" panose="02020603050405020304" pitchFamily="18" charset="-34"/>
               </a:rPr>
-              <a:t>(</a:t>
-            </a:r>
-            <a:r>
-              <a:rPr lang="en-US" sz="3600" b="1" dirty="0" smtClean="0">
-                <a:latin typeface="Angsana New" panose="02020603050405020304" pitchFamily="18" charset="-34"/>
-                <a:cs typeface="Angsana New" panose="02020603050405020304" pitchFamily="18" charset="-34"/>
-              </a:rPr>
-              <a:t>Outsourcing</a:t>
-            </a:r>
-            <a:r>
-              <a:rPr lang="en-US" sz="3600" b="1" dirty="0" smtClean="0">
-                <a:latin typeface="Angsana New" panose="02020603050405020304" pitchFamily="18" charset="-34"/>
-                <a:cs typeface="Angsana New" panose="02020603050405020304" pitchFamily="18" charset="-34"/>
-              </a:rPr>
-              <a:t>)</a:t>
+              <a:t>(Outsourcing)</a:t>
             </a:r>
             <a:endParaRPr lang="th-TH" sz="3600" b="1" dirty="0">
               <a:latin typeface="Angsana New" panose="02020603050405020304" pitchFamily="18" charset="-34"/>
@@ -6838,7 +6887,21 @@
                 <a:latin typeface="Angsana New" panose="02020603050405020304" pitchFamily="18" charset="-34"/>
                 <a:cs typeface="Angsana New" panose="02020603050405020304" pitchFamily="18" charset="-34"/>
               </a:rPr>
-              <a:t>การเอาต์ซอร์ส เป็นการว่าจ้างหน่วยงานภายนอกมาพัณนาระบบและดูแลระบบให้ แทนที่องค์กรจะใช้บุคคลากรภายในองค์กรของตน เป้าหมายของการ</a:t>
+              <a:t>การเอาต์ซอร์ส เป็นการว่าจ้างหน่วยงานภายนอก</a:t>
+            </a:r>
+            <a:r>
+              <a:rPr lang="th-TH" sz="3200" dirty="0" smtClean="0">
+                <a:latin typeface="Angsana New" panose="02020603050405020304" pitchFamily="18" charset="-34"/>
+                <a:cs typeface="Angsana New" panose="02020603050405020304" pitchFamily="18" charset="-34"/>
+              </a:rPr>
+              <a:t>มาพัฒนา</a:t>
+            </a:r>
+            <a:r>
+              <a:rPr lang="th-TH" sz="3200" dirty="0" smtClean="0">
+                <a:latin typeface="Angsana New" panose="02020603050405020304" pitchFamily="18" charset="-34"/>
+                <a:cs typeface="Angsana New" panose="02020603050405020304" pitchFamily="18" charset="-34"/>
+              </a:rPr>
+              <a:t>ระบบและดูแลระบบให้ แทนที่องค์กรจะใช้บุคคลากรภายในองค์กรของตน เป้าหมายของการ</a:t>
             </a:r>
             <a:r>
               <a:rPr lang="th-TH" sz="3200" dirty="0">
@@ -7296,7 +7359,21 @@
                 <a:latin typeface="Angsana New" panose="02020603050405020304" pitchFamily="18" charset="-34"/>
                 <a:cs typeface="Angsana New" panose="02020603050405020304" pitchFamily="18" charset="-34"/>
               </a:rPr>
-              <a:t>เป็นระบบคอมพิวเตอร์ที่พร้อมรองรับการทำงานของผู้ใช้งานในทุกๆ ด้านไม่ว่าจะเป็นระบบเครือข่าย การจัดเก็บข้อมูล การทดสอบระบบหรือติดตั้งฐานข้อมูล หรือการใช้งานซอฟต์เฉพาะด้านในธุรกิจต่างๆ โดยที่ผู้ใช้งานไม่ต้องติดตั้งระบบทั้งฮาร์ดแวร์และซอฟต์แวร์ไว้ที่สำนักงานให้ยุ่งยาก แต่สามารถใช้งานในสิ่งที่ต้องการได้ด้วยการเชื่อมต่อกับระบบ </a:t>
+              <a:t>เป็นระบบคอมพิวเตอร์ที่พร้อมรองรับการทำงานของผู้ใช้งานในทุกๆ ด้านไม่ว่าจะเป็นระบบเครือข่าย การจัดเก็บข้อมูล การทดสอบระบบหรือติดตั้งฐานข้อมูล หรือการใช้งาน</a:t>
+            </a:r>
+            <a:r>
+              <a:rPr lang="th-TH" sz="3200" dirty="0" smtClean="0">
+                <a:latin typeface="Angsana New" panose="02020603050405020304" pitchFamily="18" charset="-34"/>
+                <a:cs typeface="Angsana New" panose="02020603050405020304" pitchFamily="18" charset="-34"/>
+              </a:rPr>
+              <a:t>ซอฟต์แวร์เฉพาะ</a:t>
+            </a:r>
+            <a:r>
+              <a:rPr lang="th-TH" sz="3200" dirty="0">
+                <a:latin typeface="Angsana New" panose="02020603050405020304" pitchFamily="18" charset="-34"/>
+                <a:cs typeface="Angsana New" panose="02020603050405020304" pitchFamily="18" charset="-34"/>
+              </a:rPr>
+              <a:t>ด้านในธุรกิจต่างๆ โดยที่ผู้ใช้งานไม่ต้องติดตั้งระบบทั้งฮาร์ดแวร์และซอฟต์แวร์ไว้ที่สำนักงานให้ยุ่งยาก แต่สามารถใช้งานในสิ่งที่ต้องการได้ด้วยการเชื่อมต่อกับระบบ </a:t>
             </a:r>
             <a:r>
               <a:rPr lang="en-US" sz="3200" dirty="0">
@@ -7817,6 +7894,13 @@
   <p:clrMapOvr>
     <a:masterClrMapping/>
   </p:clrMapOvr>
+  <p:timing>
+    <p:tnLst>
+      <p:par>
+        <p:cTn id="1" dur="indefinite" restart="never" nodeType="tmRoot"/>
+      </p:par>
+    </p:tnLst>
+  </p:timing>
 </p:sld>
 </file>
 
@@ -7871,21 +7955,7 @@
                 <a:latin typeface="Angsana New" panose="02020603050405020304" pitchFamily="18" charset="-34"/>
                 <a:cs typeface="Angsana New" panose="02020603050405020304" pitchFamily="18" charset="-34"/>
               </a:rPr>
-              <a:t>(Systems </a:t>
-            </a:r>
-            <a:r>
-              <a:rPr lang="en-US" sz="3600" b="1" dirty="0" smtClean="0">
-                <a:latin typeface="Angsana New" panose="02020603050405020304" pitchFamily="18" charset="-34"/>
-                <a:cs typeface="Angsana New" panose="02020603050405020304" pitchFamily="18" charset="-34"/>
-              </a:rPr>
-              <a:t>Acquisition </a:t>
-            </a:r>
-            <a:r>
-              <a:rPr lang="en-US" sz="3600" b="1" dirty="0" smtClean="0">
-                <a:latin typeface="Angsana New" panose="02020603050405020304" pitchFamily="18" charset="-34"/>
-                <a:cs typeface="Angsana New" panose="02020603050405020304" pitchFamily="18" charset="-34"/>
-              </a:rPr>
-              <a:t>Strategies)</a:t>
+              <a:t>(Systems Acquisition Strategies)</a:t>
             </a:r>
             <a:endParaRPr lang="th-TH" sz="3600" b="1" dirty="0">
               <a:latin typeface="Angsana New" panose="02020603050405020304" pitchFamily="18" charset="-34"/>
@@ -8073,14 +8143,7 @@
                 <a:latin typeface="Angsana New" panose="02020603050405020304" pitchFamily="18" charset="-34"/>
                 <a:cs typeface="Angsana New" panose="02020603050405020304" pitchFamily="18" charset="-34"/>
               </a:rPr>
-              <a:t>การพัฒนา</a:t>
-            </a:r>
-            <a:r>
-              <a:rPr lang="th-TH" sz="3600" b="1" dirty="0" smtClean="0">
-                <a:latin typeface="Angsana New" panose="02020603050405020304" pitchFamily="18" charset="-34"/>
-                <a:cs typeface="Angsana New" panose="02020603050405020304" pitchFamily="18" charset="-34"/>
-              </a:rPr>
-              <a:t>โปรแกรมขึ้นเอง </a:t>
+              <a:t>การพัฒนาโปรแกรมขึ้นเอง </a:t>
             </a:r>
             <a:r>
               <a:rPr lang="en-US" sz="3600" b="1" dirty="0" smtClean="0">
@@ -8263,8 +8326,19 @@
                 <a:latin typeface="Angsana New" panose="02020603050405020304" pitchFamily="18" charset="-34"/>
                 <a:cs typeface="Angsana New" panose="02020603050405020304" pitchFamily="18" charset="-34"/>
               </a:rPr>
-              <a:t>เนื่องจากทีมงานพัฒนาระบบเป็นบุคคลภายใน จึงล่วงรู้วัฒนธรรมองค์กรเป็นอย่างดี ทำให้ผู้ใช้ระบบกับทีมงานมความคุ้นเคย</a:t>
-            </a:r>
+              <a:t>เนื่องจากทีมงานพัฒนาระบบเป็นบุคคลภายใน จึงล่วงรู้วัฒนธรรมองค์กรเป็นอย่างดี ทำให้ผู้ใช้ระบบกับทีมงาน</a:t>
+            </a:r>
+            <a:r>
+              <a:rPr lang="th-TH" sz="3200" dirty="0" smtClean="0">
+                <a:latin typeface="Angsana New" panose="02020603050405020304" pitchFamily="18" charset="-34"/>
+                <a:cs typeface="Angsana New" panose="02020603050405020304" pitchFamily="18" charset="-34"/>
+              </a:rPr>
+              <a:t>มีความคุ้นเคยกัน</a:t>
+            </a:r>
+            <a:endParaRPr lang="th-TH" sz="3200" dirty="0" smtClean="0">
+              <a:latin typeface="Angsana New" panose="02020603050405020304" pitchFamily="18" charset="-34"/>
+              <a:cs typeface="Angsana New" panose="02020603050405020304" pitchFamily="18" charset="-34"/>
+            </a:endParaRPr>
           </a:p>
           <a:p>
             <a:pPr marL="514350" indent="-514350">
@@ -8353,7 +8427,21 @@
                 <a:latin typeface="Angsana New" panose="02020603050405020304" pitchFamily="18" charset="-34"/>
                 <a:cs typeface="Angsana New" panose="02020603050405020304" pitchFamily="18" charset="-34"/>
               </a:rPr>
-              <a:t>แผนกพัฒนาระบบ ต้องมีความพร้อมทั้งทางด้านบุคลาการและเวลา</a:t>
+              <a:t>แผนกพัฒนาระบบ ต้องมีความพร้อมทั้งทางด้าน</a:t>
+            </a:r>
+            <a:r>
+              <a:rPr lang="th-TH" sz="3200" dirty="0" smtClean="0">
+                <a:latin typeface="Angsana New" panose="02020603050405020304" pitchFamily="18" charset="-34"/>
+                <a:cs typeface="Angsana New" panose="02020603050405020304" pitchFamily="18" charset="-34"/>
+              </a:rPr>
+              <a:t>บุคลากร</a:t>
+            </a:r>
+            <a:r>
+              <a:rPr lang="th-TH" sz="3200" dirty="0" smtClean="0">
+                <a:latin typeface="Angsana New" panose="02020603050405020304" pitchFamily="18" charset="-34"/>
+                <a:cs typeface="Angsana New" panose="02020603050405020304" pitchFamily="18" charset="-34"/>
+              </a:rPr>
+              <a:t>และเวลา</a:t>
             </a:r>
           </a:p>
           <a:p>
@@ -8500,21 +8588,7 @@
                 <a:latin typeface="Angsana New" panose="02020603050405020304" pitchFamily="18" charset="-34"/>
                 <a:cs typeface="Angsana New" panose="02020603050405020304" pitchFamily="18" charset="-34"/>
               </a:rPr>
-              <a:t>ซอฟต์แวร์สำเร็จรูป สามารถหาซื้อได้ตามร้านค้าไอทีหรือบริษัทตัวแทนจำหน่าย </a:t>
-            </a:r>
-            <a:r>
-              <a:rPr lang="th-TH" sz="3200" dirty="0" smtClean="0">
-                <a:latin typeface="Angsana New" panose="02020603050405020304" pitchFamily="18" charset="-34"/>
-                <a:cs typeface="Angsana New" panose="02020603050405020304" pitchFamily="18" charset="-34"/>
-              </a:rPr>
-              <a:t>      ซึ่ง</a:t>
-            </a:r>
-            <a:r>
-              <a:rPr lang="th-TH" sz="3200" dirty="0" smtClean="0">
-                <a:latin typeface="Angsana New" panose="02020603050405020304" pitchFamily="18" charset="-34"/>
-                <a:cs typeface="Angsana New" panose="02020603050405020304" pitchFamily="18" charset="-34"/>
-              </a:rPr>
-              <a:t>โดยมักเป็นซอฟต์แวร์ที่สนับสนุนฟังก์ชันการทำงานทางธุรกิจด้านใดด้านหนึ่งโดยเฉพาะ เช่น ระบบบัญชี ระบบ </a:t>
+              <a:t>ซอฟต์แวร์สำเร็จรูป สามารถหาซื้อได้ตามร้านค้าไอทีหรือบริษัทตัวแทนจำหน่าย       ซึ่งโดยมักเป็นซอฟต์แวร์ที่สนับสนุนฟังก์ชันการทำงานทางธุรกิจด้านใดด้านหนึ่งโดยเฉพาะ เช่น ระบบบัญชี ระบบ </a:t>
             </a:r>
             <a:r>
               <a:rPr lang="en-US" sz="3200" dirty="0" smtClean="0">
@@ -8680,8 +8754,47 @@
                 <a:latin typeface="Angsana New" panose="02020603050405020304" pitchFamily="18" charset="-34"/>
                 <a:cs typeface="Angsana New" panose="02020603050405020304" pitchFamily="18" charset="-34"/>
               </a:rPr>
-              <a:t>หากโปรแกรมมีการปรับปรุงเวอร์ชั่น สามารถติดต่อกับตัวแทนจำหน่ายเพื่อทำการปรับได้ฟรี หรือาจเสียค่าใช้จ่ายเพียงเล็อกน้อย</a:t>
-            </a:r>
+              <a:t>หากโปรแกรมมีการปรับปรุงเวอร์ชั่น สามารถติดต่อกับตัวแทนจำหน่ายเพื่อทำการ</a:t>
+            </a:r>
+            <a:r>
+              <a:rPr lang="th-TH" sz="3200" dirty="0" smtClean="0">
+                <a:latin typeface="Angsana New" panose="02020603050405020304" pitchFamily="18" charset="-34"/>
+                <a:cs typeface="Angsana New" panose="02020603050405020304" pitchFamily="18" charset="-34"/>
+              </a:rPr>
+              <a:t>ปรับปรุงได้</a:t>
+            </a:r>
+            <a:r>
+              <a:rPr lang="th-TH" sz="3200" dirty="0" smtClean="0">
+                <a:latin typeface="Angsana New" panose="02020603050405020304" pitchFamily="18" charset="-34"/>
+                <a:cs typeface="Angsana New" panose="02020603050405020304" pitchFamily="18" charset="-34"/>
+              </a:rPr>
+              <a:t>ฟรี </a:t>
+            </a:r>
+            <a:r>
+              <a:rPr lang="th-TH" sz="3200" dirty="0" smtClean="0">
+                <a:latin typeface="Angsana New" panose="02020603050405020304" pitchFamily="18" charset="-34"/>
+                <a:cs typeface="Angsana New" panose="02020603050405020304" pitchFamily="18" charset="-34"/>
+              </a:rPr>
+              <a:t>หรืออาจ</a:t>
+            </a:r>
+            <a:r>
+              <a:rPr lang="th-TH" sz="3200" dirty="0" smtClean="0">
+                <a:latin typeface="Angsana New" panose="02020603050405020304" pitchFamily="18" charset="-34"/>
+                <a:cs typeface="Angsana New" panose="02020603050405020304" pitchFamily="18" charset="-34"/>
+              </a:rPr>
+              <a:t>เสียค่าใช้จ่ายเพียง</a:t>
+            </a:r>
+            <a:r>
+              <a:rPr lang="th-TH" sz="3200" dirty="0" smtClean="0">
+                <a:latin typeface="Angsana New" panose="02020603050405020304" pitchFamily="18" charset="-34"/>
+                <a:cs typeface="Angsana New" panose="02020603050405020304" pitchFamily="18" charset="-34"/>
+              </a:rPr>
+              <a:t>เล็กน้อย</a:t>
+            </a:r>
+            <a:endParaRPr lang="th-TH" sz="3200" dirty="0" smtClean="0">
+              <a:latin typeface="Angsana New" panose="02020603050405020304" pitchFamily="18" charset="-34"/>
+              <a:cs typeface="Angsana New" panose="02020603050405020304" pitchFamily="18" charset="-34"/>
+            </a:endParaRPr>
           </a:p>
           <a:p>
             <a:pPr marL="514350" indent="-514350">
@@ -8794,7 +8907,21 @@
                 <a:latin typeface="Angsana New" panose="02020603050405020304" pitchFamily="18" charset="-34"/>
                 <a:cs typeface="Angsana New" panose="02020603050405020304" pitchFamily="18" charset="-34"/>
               </a:rPr>
-              <a:t>ผู้ใช้ต้องศึกษาขั้นตอนการใช้งานด้วยตนเองจากคู่มือการใช้งาน แต่ถ้าเกิดความไม่เข้าใจ ก็สมารถติดต่อกับบริษัทผู้ขายเพื่อขอคำแนะนำ</a:t>
+              <a:t>ผู้ใช้ต้องศึกษาขั้นตอนการใช้งานด้วยตนเองจากคู่มือการใช้งาน แต่ถ้าเกิดความไม่เข้าใจ ก็</a:t>
+            </a:r>
+            <a:r>
+              <a:rPr lang="th-TH" sz="3200" dirty="0" smtClean="0">
+                <a:latin typeface="Angsana New" panose="02020603050405020304" pitchFamily="18" charset="-34"/>
+                <a:cs typeface="Angsana New" panose="02020603050405020304" pitchFamily="18" charset="-34"/>
+              </a:rPr>
+              <a:t>สามารถ</a:t>
+            </a:r>
+            <a:r>
+              <a:rPr lang="th-TH" sz="3200" dirty="0" smtClean="0">
+                <a:latin typeface="Angsana New" panose="02020603050405020304" pitchFamily="18" charset="-34"/>
+                <a:cs typeface="Angsana New" panose="02020603050405020304" pitchFamily="18" charset="-34"/>
+              </a:rPr>
+              <a:t>ติดต่อกับบริษัทผู้ขายเพื่อขอคำแนะนำ</a:t>
             </a:r>
           </a:p>
           <a:p>
